--- a/documents/Perfect Diamond final.pptx
+++ b/documents/Perfect Diamond final.pptx
@@ -268,7 +268,7 @@
           <a:p>
             <a:fld id="{54AEC787-99B7-4854-8A00-083F57D7D11F}" type="datetimeFigureOut">
               <a:rPr lang="en-US" smtClean="0"/>
-              <a:t>5/4/2021</a:t>
+              <a:t>5/5/2021</a:t>
             </a:fld>
             <a:endParaRPr lang="en-US"/>
           </a:p>
@@ -466,7 +466,7 @@
           <a:p>
             <a:fld id="{54AEC787-99B7-4854-8A00-083F57D7D11F}" type="datetimeFigureOut">
               <a:rPr lang="en-US" smtClean="0"/>
-              <a:t>5/4/2021</a:t>
+              <a:t>5/5/2021</a:t>
             </a:fld>
             <a:endParaRPr lang="en-US"/>
           </a:p>
@@ -674,7 +674,7 @@
           <a:p>
             <a:fld id="{54AEC787-99B7-4854-8A00-083F57D7D11F}" type="datetimeFigureOut">
               <a:rPr lang="en-US" smtClean="0"/>
-              <a:t>5/4/2021</a:t>
+              <a:t>5/5/2021</a:t>
             </a:fld>
             <a:endParaRPr lang="en-US"/>
           </a:p>
@@ -872,7 +872,7 @@
           <a:p>
             <a:fld id="{54AEC787-99B7-4854-8A00-083F57D7D11F}" type="datetimeFigureOut">
               <a:rPr lang="en-US" smtClean="0"/>
-              <a:t>5/4/2021</a:t>
+              <a:t>5/5/2021</a:t>
             </a:fld>
             <a:endParaRPr lang="en-US"/>
           </a:p>
@@ -1147,7 +1147,7 @@
           <a:p>
             <a:fld id="{54AEC787-99B7-4854-8A00-083F57D7D11F}" type="datetimeFigureOut">
               <a:rPr lang="en-US" smtClean="0"/>
-              <a:t>5/4/2021</a:t>
+              <a:t>5/5/2021</a:t>
             </a:fld>
             <a:endParaRPr lang="en-US"/>
           </a:p>
@@ -1412,7 +1412,7 @@
           <a:p>
             <a:fld id="{54AEC787-99B7-4854-8A00-083F57D7D11F}" type="datetimeFigureOut">
               <a:rPr lang="en-US" smtClean="0"/>
-              <a:t>5/4/2021</a:t>
+              <a:t>5/5/2021</a:t>
             </a:fld>
             <a:endParaRPr lang="en-US"/>
           </a:p>
@@ -1824,7 +1824,7 @@
           <a:p>
             <a:fld id="{54AEC787-99B7-4854-8A00-083F57D7D11F}" type="datetimeFigureOut">
               <a:rPr lang="en-US" smtClean="0"/>
-              <a:t>5/4/2021</a:t>
+              <a:t>5/5/2021</a:t>
             </a:fld>
             <a:endParaRPr lang="en-US"/>
           </a:p>
@@ -1965,7 +1965,7 @@
           <a:p>
             <a:fld id="{54AEC787-99B7-4854-8A00-083F57D7D11F}" type="datetimeFigureOut">
               <a:rPr lang="en-US" smtClean="0"/>
-              <a:t>5/4/2021</a:t>
+              <a:t>5/5/2021</a:t>
             </a:fld>
             <a:endParaRPr lang="en-US"/>
           </a:p>
@@ -2078,7 +2078,7 @@
           <a:p>
             <a:fld id="{54AEC787-99B7-4854-8A00-083F57D7D11F}" type="datetimeFigureOut">
               <a:rPr lang="en-US" smtClean="0"/>
-              <a:t>5/4/2021</a:t>
+              <a:t>5/5/2021</a:t>
             </a:fld>
             <a:endParaRPr lang="en-US"/>
           </a:p>
@@ -2389,7 +2389,7 @@
           <a:p>
             <a:fld id="{54AEC787-99B7-4854-8A00-083F57D7D11F}" type="datetimeFigureOut">
               <a:rPr lang="en-US" smtClean="0"/>
-              <a:t>5/4/2021</a:t>
+              <a:t>5/5/2021</a:t>
             </a:fld>
             <a:endParaRPr lang="en-US"/>
           </a:p>
@@ -2677,7 +2677,7 @@
           <a:p>
             <a:fld id="{54AEC787-99B7-4854-8A00-083F57D7D11F}" type="datetimeFigureOut">
               <a:rPr lang="en-US" smtClean="0"/>
-              <a:t>5/4/2021</a:t>
+              <a:t>5/5/2021</a:t>
             </a:fld>
             <a:endParaRPr lang="en-US"/>
           </a:p>
@@ -2918,7 +2918,7 @@
           <a:p>
             <a:fld id="{54AEC787-99B7-4854-8A00-083F57D7D11F}" type="datetimeFigureOut">
               <a:rPr lang="en-US" smtClean="0"/>
-              <a:t>5/4/2021</a:t>
+              <a:t>5/5/2021</a:t>
             </a:fld>
             <a:endParaRPr lang="en-US"/>
           </a:p>
@@ -4656,6 +4656,21 @@
                   <a:srgbClr val="FFFFFF"/>
                 </a:solidFill>
               </a:rPr>
+              <a:t>Do you have any Questions?</a:t>
+            </a:r>
+            <a:br>
+              <a:rPr lang="en-US" sz="4000" dirty="0">
+                <a:solidFill>
+                  <a:srgbClr val="FFFFFF"/>
+                </a:solidFill>
+              </a:rPr>
+            </a:br>
+            <a:r>
+              <a:rPr lang="en-US" sz="4000" dirty="0">
+                <a:solidFill>
+                  <a:srgbClr val="FFFFFF"/>
+                </a:solidFill>
+              </a:rPr>
               <a:t>Thank you!</a:t>
             </a:r>
           </a:p>
